--- a/yblog/articlezone/static/ppt.pptx
+++ b/yblog/articlezone/static/ppt.pptx
@@ -8,8 +8,9 @@
     <p:sldId id="256" r:id="rId2"/>
     <p:sldId id="257" r:id="rId3"/>
     <p:sldId id="258" r:id="rId4"/>
-    <p:sldId id="259" r:id="rId5"/>
-    <p:sldId id="260" r:id="rId6"/>
+    <p:sldId id="261" r:id="rId5"/>
+    <p:sldId id="259" r:id="rId6"/>
+    <p:sldId id="260" r:id="rId7"/>
   </p:sldIdLst>
   <p:sldSz cx="12192000" cy="6858000"/>
   <p:notesSz cx="6858000" cy="9144000"/>
@@ -108,6 +109,11 @@
       </a:defRPr>
     </a:lvl9pPr>
   </p:defaultTextStyle>
+  <p:extLst>
+    <p:ext uri="{EFAFB233-063F-42B5-8137-9DF3F51BA10A}">
+      <p15:sldGuideLst xmlns:p15="http://schemas.microsoft.com/office/powerpoint/2012/main"/>
+    </p:ext>
+  </p:extLst>
 </p:presentation>
 </file>
 
@@ -17436,6 +17442,951 @@
       </p:grpSpPr>
       <p:sp>
         <p:nvSpPr>
+          <p:cNvPr id="4" name="矩形: 圆角 3">
+            <a:extLst>
+              <a:ext uri="{FF2B5EF4-FFF2-40B4-BE49-F238E27FC236}">
+                <a16:creationId xmlns:a16="http://schemas.microsoft.com/office/drawing/2014/main" id="{ED25E139-AF28-E2EE-A4DD-54F26023F265}"/>
+              </a:ext>
+            </a:extLst>
+          </p:cNvPr>
+          <p:cNvSpPr/>
+          <p:nvPr/>
+        </p:nvSpPr>
+        <p:spPr>
+          <a:xfrm>
+            <a:off x="3369781" y="1570644"/>
+            <a:ext cx="3551127" cy="3551127"/>
+          </a:xfrm>
+          <a:prstGeom prst="roundRect">
+            <a:avLst/>
+          </a:prstGeom>
+          <a:solidFill>
+            <a:srgbClr val="142440"/>
+          </a:solidFill>
+        </p:spPr>
+        <p:style>
+          <a:lnRef idx="2">
+            <a:schemeClr val="accent1">
+              <a:shade val="15000"/>
+            </a:schemeClr>
+          </a:lnRef>
+          <a:fillRef idx="1">
+            <a:schemeClr val="accent1"/>
+          </a:fillRef>
+          <a:effectRef idx="0">
+            <a:schemeClr val="accent1"/>
+          </a:effectRef>
+          <a:fontRef idx="minor">
+            <a:schemeClr val="lt1"/>
+          </a:fontRef>
+        </p:style>
+        <p:txBody>
+          <a:bodyPr rtlCol="0" anchor="ctr"/>
+          <a:lstStyle/>
+          <a:p>
+            <a:pPr algn="ctr"/>
+            <a:endParaRPr lang="zh-CN" altLang="en-US"/>
+          </a:p>
+        </p:txBody>
+      </p:sp>
+      <p:sp>
+        <p:nvSpPr>
+          <p:cNvPr id="45" name="矩形 44">
+            <a:extLst>
+              <a:ext uri="{FF2B5EF4-FFF2-40B4-BE49-F238E27FC236}">
+                <a16:creationId xmlns:a16="http://schemas.microsoft.com/office/drawing/2014/main" id="{730C3F37-15C7-54AD-14D9-01A48B329945}"/>
+              </a:ext>
+            </a:extLst>
+          </p:cNvPr>
+          <p:cNvSpPr/>
+          <p:nvPr/>
+        </p:nvSpPr>
+        <p:spPr>
+          <a:xfrm>
+            <a:off x="9302496" y="524255"/>
+            <a:ext cx="1144685" cy="1144685"/>
+          </a:xfrm>
+          <a:prstGeom prst="rect">
+            <a:avLst/>
+          </a:prstGeom>
+        </p:spPr>
+        <p:style>
+          <a:lnRef idx="2">
+            <a:schemeClr val="accent1">
+              <a:shade val="15000"/>
+            </a:schemeClr>
+          </a:lnRef>
+          <a:fillRef idx="1">
+            <a:schemeClr val="accent1"/>
+          </a:fillRef>
+          <a:effectRef idx="0">
+            <a:schemeClr val="accent1"/>
+          </a:effectRef>
+          <a:fontRef idx="minor">
+            <a:schemeClr val="lt1"/>
+          </a:fontRef>
+        </p:style>
+        <p:txBody>
+          <a:bodyPr rtlCol="0" anchor="ctr"/>
+          <a:lstStyle/>
+          <a:p>
+            <a:pPr algn="ctr"/>
+            <a:endParaRPr lang="zh-CN" altLang="en-US"/>
+          </a:p>
+        </p:txBody>
+      </p:sp>
+      <p:sp>
+        <p:nvSpPr>
+          <p:cNvPr id="46" name="矩形 45">
+            <a:extLst>
+              <a:ext uri="{FF2B5EF4-FFF2-40B4-BE49-F238E27FC236}">
+                <a16:creationId xmlns:a16="http://schemas.microsoft.com/office/drawing/2014/main" id="{ACDC10BF-B64D-F415-E088-69ECEA9C774E}"/>
+              </a:ext>
+            </a:extLst>
+          </p:cNvPr>
+          <p:cNvSpPr/>
+          <p:nvPr/>
+        </p:nvSpPr>
+        <p:spPr>
+          <a:xfrm>
+            <a:off x="9302496" y="524255"/>
+            <a:ext cx="573025" cy="573025"/>
+          </a:xfrm>
+          <a:prstGeom prst="rect">
+            <a:avLst/>
+          </a:prstGeom>
+        </p:spPr>
+        <p:style>
+          <a:lnRef idx="2">
+            <a:schemeClr val="accent1">
+              <a:shade val="15000"/>
+            </a:schemeClr>
+          </a:lnRef>
+          <a:fillRef idx="1">
+            <a:schemeClr val="accent1"/>
+          </a:fillRef>
+          <a:effectRef idx="0">
+            <a:schemeClr val="accent1"/>
+          </a:effectRef>
+          <a:fontRef idx="minor">
+            <a:schemeClr val="lt1"/>
+          </a:fontRef>
+        </p:style>
+        <p:txBody>
+          <a:bodyPr rtlCol="0" anchor="ctr"/>
+          <a:lstStyle/>
+          <a:p>
+            <a:pPr algn="ctr"/>
+            <a:endParaRPr lang="zh-CN" altLang="en-US"/>
+          </a:p>
+        </p:txBody>
+      </p:sp>
+      <p:sp>
+        <p:nvSpPr>
+          <p:cNvPr id="47" name="矩形 46">
+            <a:extLst>
+              <a:ext uri="{FF2B5EF4-FFF2-40B4-BE49-F238E27FC236}">
+                <a16:creationId xmlns:a16="http://schemas.microsoft.com/office/drawing/2014/main" id="{FDC38CDC-0B4B-DF3C-795F-98EC1EA8A1C9}"/>
+              </a:ext>
+            </a:extLst>
+          </p:cNvPr>
+          <p:cNvSpPr/>
+          <p:nvPr/>
+        </p:nvSpPr>
+        <p:spPr>
+          <a:xfrm>
+            <a:off x="9874155" y="524255"/>
+            <a:ext cx="573026" cy="573026"/>
+          </a:xfrm>
+          <a:prstGeom prst="rect">
+            <a:avLst/>
+          </a:prstGeom>
+        </p:spPr>
+        <p:style>
+          <a:lnRef idx="2">
+            <a:schemeClr val="accent1">
+              <a:shade val="15000"/>
+            </a:schemeClr>
+          </a:lnRef>
+          <a:fillRef idx="1">
+            <a:schemeClr val="accent1"/>
+          </a:fillRef>
+          <a:effectRef idx="0">
+            <a:schemeClr val="accent1"/>
+          </a:effectRef>
+          <a:fontRef idx="minor">
+            <a:schemeClr val="lt1"/>
+          </a:fontRef>
+        </p:style>
+        <p:txBody>
+          <a:bodyPr rtlCol="0" anchor="ctr"/>
+          <a:lstStyle/>
+          <a:p>
+            <a:pPr algn="ctr"/>
+            <a:endParaRPr lang="zh-CN" altLang="en-US"/>
+          </a:p>
+        </p:txBody>
+      </p:sp>
+      <p:cxnSp>
+        <p:nvCxnSpPr>
+          <p:cNvPr id="52" name="直接连接符 51">
+            <a:extLst>
+              <a:ext uri="{FF2B5EF4-FFF2-40B4-BE49-F238E27FC236}">
+                <a16:creationId xmlns:a16="http://schemas.microsoft.com/office/drawing/2014/main" id="{746AA73F-84CC-1A87-2D8E-51A165EB52FA}"/>
+              </a:ext>
+            </a:extLst>
+          </p:cNvPr>
+          <p:cNvCxnSpPr/>
+          <p:nvPr/>
+        </p:nvCxnSpPr>
+        <p:spPr>
+          <a:xfrm flipH="1">
+            <a:off x="9302496" y="524255"/>
+            <a:ext cx="1144685" cy="1144685"/>
+          </a:xfrm>
+          <a:prstGeom prst="line">
+            <a:avLst/>
+          </a:prstGeom>
+        </p:spPr>
+        <p:style>
+          <a:lnRef idx="1">
+            <a:schemeClr val="dk1"/>
+          </a:lnRef>
+          <a:fillRef idx="0">
+            <a:schemeClr val="dk1"/>
+          </a:fillRef>
+          <a:effectRef idx="0">
+            <a:schemeClr val="dk1"/>
+          </a:effectRef>
+          <a:fontRef idx="minor">
+            <a:schemeClr val="tx1"/>
+          </a:fontRef>
+        </p:style>
+      </p:cxnSp>
+      <p:cxnSp>
+        <p:nvCxnSpPr>
+          <p:cNvPr id="53" name="直接连接符 52">
+            <a:extLst>
+              <a:ext uri="{FF2B5EF4-FFF2-40B4-BE49-F238E27FC236}">
+                <a16:creationId xmlns:a16="http://schemas.microsoft.com/office/drawing/2014/main" id="{AB90F960-59F4-F524-7A44-63E6A8719D09}"/>
+              </a:ext>
+            </a:extLst>
+          </p:cNvPr>
+          <p:cNvCxnSpPr>
+            <a:cxnSpLocks/>
+          </p:cNvCxnSpPr>
+          <p:nvPr/>
+        </p:nvCxnSpPr>
+        <p:spPr>
+          <a:xfrm flipH="1" flipV="1">
+            <a:off x="9302496" y="524254"/>
+            <a:ext cx="1144685" cy="1144686"/>
+          </a:xfrm>
+          <a:prstGeom prst="line">
+            <a:avLst/>
+          </a:prstGeom>
+        </p:spPr>
+        <p:style>
+          <a:lnRef idx="1">
+            <a:schemeClr val="dk1"/>
+          </a:lnRef>
+          <a:fillRef idx="0">
+            <a:schemeClr val="dk1"/>
+          </a:fillRef>
+          <a:effectRef idx="0">
+            <a:schemeClr val="dk1"/>
+          </a:effectRef>
+          <a:fontRef idx="minor">
+            <a:schemeClr val="tx1"/>
+          </a:fontRef>
+        </p:style>
+      </p:cxnSp>
+      <p:cxnSp>
+        <p:nvCxnSpPr>
+          <p:cNvPr id="56" name="直接连接符 55">
+            <a:extLst>
+              <a:ext uri="{FF2B5EF4-FFF2-40B4-BE49-F238E27FC236}">
+                <a16:creationId xmlns:a16="http://schemas.microsoft.com/office/drawing/2014/main" id="{A27E8F0A-B57E-398D-B36B-0893892CFC3F}"/>
+              </a:ext>
+            </a:extLst>
+          </p:cNvPr>
+          <p:cNvCxnSpPr>
+            <a:cxnSpLocks/>
+            <a:stCxn id="45" idx="3"/>
+          </p:cNvCxnSpPr>
+          <p:nvPr/>
+        </p:nvCxnSpPr>
+        <p:spPr>
+          <a:xfrm flipH="1" flipV="1">
+            <a:off x="9874155" y="524253"/>
+            <a:ext cx="573026" cy="572345"/>
+          </a:xfrm>
+          <a:prstGeom prst="line">
+            <a:avLst/>
+          </a:prstGeom>
+        </p:spPr>
+        <p:style>
+          <a:lnRef idx="1">
+            <a:schemeClr val="dk1"/>
+          </a:lnRef>
+          <a:fillRef idx="0">
+            <a:schemeClr val="dk1"/>
+          </a:fillRef>
+          <a:effectRef idx="0">
+            <a:schemeClr val="dk1"/>
+          </a:effectRef>
+          <a:fontRef idx="minor">
+            <a:schemeClr val="tx1"/>
+          </a:fontRef>
+        </p:style>
+      </p:cxnSp>
+      <p:sp>
+        <p:nvSpPr>
+          <p:cNvPr id="59" name="任意多边形: 形状 58">
+            <a:extLst>
+              <a:ext uri="{FF2B5EF4-FFF2-40B4-BE49-F238E27FC236}">
+                <a16:creationId xmlns:a16="http://schemas.microsoft.com/office/drawing/2014/main" id="{54CBD379-CCEB-85AD-6644-6CEB4B9377A6}"/>
+              </a:ext>
+            </a:extLst>
+          </p:cNvPr>
+          <p:cNvSpPr/>
+          <p:nvPr/>
+        </p:nvSpPr>
+        <p:spPr>
+          <a:xfrm>
+            <a:off x="9302496" y="418210"/>
+            <a:ext cx="1255776" cy="1250730"/>
+          </a:xfrm>
+          <a:custGeom>
+            <a:avLst/>
+            <a:gdLst>
+              <a:gd name="connsiteX0" fmla="*/ 2286 w 1240834"/>
+              <a:gd name="connsiteY0" fmla="*/ 94426 h 1232099"/>
+              <a:gd name="connsiteX1" fmla="*/ 1139571 w 1240834"/>
+              <a:gd name="connsiteY1" fmla="*/ 96331 h 1232099"/>
+              <a:gd name="connsiteX2" fmla="*/ 1152906 w 1240834"/>
+              <a:gd name="connsiteY2" fmla="*/ 1229806 h 1232099"/>
+              <a:gd name="connsiteX3" fmla="*/ 853821 w 1240834"/>
+              <a:gd name="connsiteY3" fmla="*/ 382081 h 1232099"/>
+              <a:gd name="connsiteX4" fmla="*/ 2286 w 1240834"/>
+              <a:gd name="connsiteY4" fmla="*/ 94426 h 1232099"/>
+            </a:gdLst>
+            <a:ahLst/>
+            <a:cxnLst>
+              <a:cxn ang="0">
+                <a:pos x="connsiteX0" y="connsiteY0"/>
+              </a:cxn>
+              <a:cxn ang="0">
+                <a:pos x="connsiteX1" y="connsiteY1"/>
+              </a:cxn>
+              <a:cxn ang="0">
+                <a:pos x="connsiteX2" y="connsiteY2"/>
+              </a:cxn>
+              <a:cxn ang="0">
+                <a:pos x="connsiteX3" y="connsiteY3"/>
+              </a:cxn>
+              <a:cxn ang="0">
+                <a:pos x="connsiteX4" y="connsiteY4"/>
+              </a:cxn>
+            </a:cxnLst>
+            <a:rect l="l" t="t" r="r" b="b"/>
+            <a:pathLst>
+              <a:path w="1240834" h="1232099">
+                <a:moveTo>
+                  <a:pt x="2286" y="94426"/>
+                </a:moveTo>
+                <a:cubicBezTo>
+                  <a:pt x="49911" y="46801"/>
+                  <a:pt x="947801" y="-92899"/>
+                  <a:pt x="1139571" y="96331"/>
+                </a:cubicBezTo>
+                <a:cubicBezTo>
+                  <a:pt x="1331341" y="285561"/>
+                  <a:pt x="1200531" y="1182181"/>
+                  <a:pt x="1152906" y="1229806"/>
+                </a:cubicBezTo>
+                <a:cubicBezTo>
+                  <a:pt x="1105281" y="1277431"/>
+                  <a:pt x="1043051" y="569723"/>
+                  <a:pt x="853821" y="382081"/>
+                </a:cubicBezTo>
+                <a:cubicBezTo>
+                  <a:pt x="664591" y="194439"/>
+                  <a:pt x="-45339" y="142051"/>
+                  <a:pt x="2286" y="94426"/>
+                </a:cubicBezTo>
+                <a:close/>
+              </a:path>
+            </a:pathLst>
+          </a:custGeom>
+        </p:spPr>
+        <p:style>
+          <a:lnRef idx="2">
+            <a:schemeClr val="accent1">
+              <a:shade val="15000"/>
+            </a:schemeClr>
+          </a:lnRef>
+          <a:fillRef idx="1">
+            <a:schemeClr val="accent1"/>
+          </a:fillRef>
+          <a:effectRef idx="0">
+            <a:schemeClr val="accent1"/>
+          </a:effectRef>
+          <a:fontRef idx="minor">
+            <a:schemeClr val="lt1"/>
+          </a:fontRef>
+        </p:style>
+        <p:txBody>
+          <a:bodyPr rtlCol="0" anchor="ctr"/>
+          <a:lstStyle/>
+          <a:p>
+            <a:pPr algn="ctr"/>
+            <a:endParaRPr lang="zh-CN" altLang="en-US"/>
+          </a:p>
+        </p:txBody>
+      </p:sp>
+      <p:grpSp>
+        <p:nvGrpSpPr>
+          <p:cNvPr id="71" name="组合 70">
+            <a:extLst>
+              <a:ext uri="{FF2B5EF4-FFF2-40B4-BE49-F238E27FC236}">
+                <a16:creationId xmlns:a16="http://schemas.microsoft.com/office/drawing/2014/main" id="{8C1784B1-C741-DFFB-4F74-D915BC2FA90E}"/>
+              </a:ext>
+            </a:extLst>
+          </p:cNvPr>
+          <p:cNvGrpSpPr/>
+          <p:nvPr/>
+        </p:nvGrpSpPr>
+        <p:grpSpPr>
+          <a:xfrm>
+            <a:off x="3532274" y="1778660"/>
+            <a:ext cx="2838046" cy="2787824"/>
+            <a:chOff x="8919833" y="2297428"/>
+            <a:chExt cx="2304883" cy="2264096"/>
+          </a:xfrm>
+          <a:solidFill>
+            <a:srgbClr val="ECFAFE"/>
+          </a:solidFill>
+        </p:grpSpPr>
+        <p:sp>
+          <p:nvSpPr>
+            <p:cNvPr id="60" name="任意多边形: 形状 59">
+              <a:extLst>
+                <a:ext uri="{FF2B5EF4-FFF2-40B4-BE49-F238E27FC236}">
+                  <a16:creationId xmlns:a16="http://schemas.microsoft.com/office/drawing/2014/main" id="{12E2E7F6-7A3F-469E-246A-E7D0547831FF}"/>
+                </a:ext>
+              </a:extLst>
+            </p:cNvPr>
+            <p:cNvSpPr/>
+            <p:nvPr/>
+          </p:nvSpPr>
+          <p:spPr>
+            <a:xfrm>
+              <a:off x="8919834" y="3325843"/>
+              <a:ext cx="1240834" cy="1232099"/>
+            </a:xfrm>
+            <a:custGeom>
+              <a:avLst/>
+              <a:gdLst>
+                <a:gd name="connsiteX0" fmla="*/ 2286 w 1240834"/>
+                <a:gd name="connsiteY0" fmla="*/ 94426 h 1232099"/>
+                <a:gd name="connsiteX1" fmla="*/ 1139571 w 1240834"/>
+                <a:gd name="connsiteY1" fmla="*/ 96331 h 1232099"/>
+                <a:gd name="connsiteX2" fmla="*/ 1152906 w 1240834"/>
+                <a:gd name="connsiteY2" fmla="*/ 1229806 h 1232099"/>
+                <a:gd name="connsiteX3" fmla="*/ 853821 w 1240834"/>
+                <a:gd name="connsiteY3" fmla="*/ 382081 h 1232099"/>
+                <a:gd name="connsiteX4" fmla="*/ 2286 w 1240834"/>
+                <a:gd name="connsiteY4" fmla="*/ 94426 h 1232099"/>
+              </a:gdLst>
+              <a:ahLst/>
+              <a:cxnLst>
+                <a:cxn ang="0">
+                  <a:pos x="connsiteX0" y="connsiteY0"/>
+                </a:cxn>
+                <a:cxn ang="0">
+                  <a:pos x="connsiteX1" y="connsiteY1"/>
+                </a:cxn>
+                <a:cxn ang="0">
+                  <a:pos x="connsiteX2" y="connsiteY2"/>
+                </a:cxn>
+                <a:cxn ang="0">
+                  <a:pos x="connsiteX3" y="connsiteY3"/>
+                </a:cxn>
+                <a:cxn ang="0">
+                  <a:pos x="connsiteX4" y="connsiteY4"/>
+                </a:cxn>
+              </a:cxnLst>
+              <a:rect l="l" t="t" r="r" b="b"/>
+              <a:pathLst>
+                <a:path w="1240834" h="1232099">
+                  <a:moveTo>
+                    <a:pt x="2286" y="94426"/>
+                  </a:moveTo>
+                  <a:cubicBezTo>
+                    <a:pt x="49911" y="46801"/>
+                    <a:pt x="947801" y="-92899"/>
+                    <a:pt x="1139571" y="96331"/>
+                  </a:cubicBezTo>
+                  <a:cubicBezTo>
+                    <a:pt x="1331341" y="285561"/>
+                    <a:pt x="1200531" y="1182181"/>
+                    <a:pt x="1152906" y="1229806"/>
+                  </a:cubicBezTo>
+                  <a:cubicBezTo>
+                    <a:pt x="1105281" y="1277431"/>
+                    <a:pt x="1043051" y="569723"/>
+                    <a:pt x="853821" y="382081"/>
+                  </a:cubicBezTo>
+                  <a:cubicBezTo>
+                    <a:pt x="664591" y="194439"/>
+                    <a:pt x="-45339" y="142051"/>
+                    <a:pt x="2286" y="94426"/>
+                  </a:cubicBezTo>
+                  <a:close/>
+                </a:path>
+              </a:pathLst>
+            </a:custGeom>
+            <a:grpFill/>
+            <a:ln>
+              <a:noFill/>
+            </a:ln>
+          </p:spPr>
+          <p:style>
+            <a:lnRef idx="2">
+              <a:schemeClr val="accent1">
+                <a:shade val="15000"/>
+              </a:schemeClr>
+            </a:lnRef>
+            <a:fillRef idx="1">
+              <a:schemeClr val="accent1"/>
+            </a:fillRef>
+            <a:effectRef idx="0">
+              <a:schemeClr val="accent1"/>
+            </a:effectRef>
+            <a:fontRef idx="minor">
+              <a:schemeClr val="lt1"/>
+            </a:fontRef>
+          </p:style>
+          <p:txBody>
+            <a:bodyPr rtlCol="0" anchor="ctr"/>
+            <a:lstStyle/>
+            <a:p>
+              <a:pPr algn="ctr"/>
+              <a:endParaRPr lang="zh-CN" altLang="en-US"/>
+            </a:p>
+          </p:txBody>
+        </p:sp>
+        <p:sp>
+          <p:nvSpPr>
+            <p:cNvPr id="61" name="任意多边形: 形状 60">
+              <a:extLst>
+                <a:ext uri="{FF2B5EF4-FFF2-40B4-BE49-F238E27FC236}">
+                  <a16:creationId xmlns:a16="http://schemas.microsoft.com/office/drawing/2014/main" id="{33A69028-0F2D-10A3-21EC-8B36CC522BB5}"/>
+                </a:ext>
+              </a:extLst>
+            </p:cNvPr>
+            <p:cNvSpPr/>
+            <p:nvPr/>
+          </p:nvSpPr>
+          <p:spPr>
+            <a:xfrm flipH="1">
+              <a:off x="9983883" y="3329425"/>
+              <a:ext cx="1240833" cy="1232099"/>
+            </a:xfrm>
+            <a:custGeom>
+              <a:avLst/>
+              <a:gdLst>
+                <a:gd name="connsiteX0" fmla="*/ 2286 w 1240834"/>
+                <a:gd name="connsiteY0" fmla="*/ 94426 h 1232099"/>
+                <a:gd name="connsiteX1" fmla="*/ 1139571 w 1240834"/>
+                <a:gd name="connsiteY1" fmla="*/ 96331 h 1232099"/>
+                <a:gd name="connsiteX2" fmla="*/ 1152906 w 1240834"/>
+                <a:gd name="connsiteY2" fmla="*/ 1229806 h 1232099"/>
+                <a:gd name="connsiteX3" fmla="*/ 853821 w 1240834"/>
+                <a:gd name="connsiteY3" fmla="*/ 382081 h 1232099"/>
+                <a:gd name="connsiteX4" fmla="*/ 2286 w 1240834"/>
+                <a:gd name="connsiteY4" fmla="*/ 94426 h 1232099"/>
+              </a:gdLst>
+              <a:ahLst/>
+              <a:cxnLst>
+                <a:cxn ang="0">
+                  <a:pos x="connsiteX0" y="connsiteY0"/>
+                </a:cxn>
+                <a:cxn ang="0">
+                  <a:pos x="connsiteX1" y="connsiteY1"/>
+                </a:cxn>
+                <a:cxn ang="0">
+                  <a:pos x="connsiteX2" y="connsiteY2"/>
+                </a:cxn>
+                <a:cxn ang="0">
+                  <a:pos x="connsiteX3" y="connsiteY3"/>
+                </a:cxn>
+                <a:cxn ang="0">
+                  <a:pos x="connsiteX4" y="connsiteY4"/>
+                </a:cxn>
+              </a:cxnLst>
+              <a:rect l="l" t="t" r="r" b="b"/>
+              <a:pathLst>
+                <a:path w="1240834" h="1232099">
+                  <a:moveTo>
+                    <a:pt x="2286" y="94426"/>
+                  </a:moveTo>
+                  <a:cubicBezTo>
+                    <a:pt x="49911" y="46801"/>
+                    <a:pt x="947801" y="-92899"/>
+                    <a:pt x="1139571" y="96331"/>
+                  </a:cubicBezTo>
+                  <a:cubicBezTo>
+                    <a:pt x="1331341" y="285561"/>
+                    <a:pt x="1200531" y="1182181"/>
+                    <a:pt x="1152906" y="1229806"/>
+                  </a:cubicBezTo>
+                  <a:cubicBezTo>
+                    <a:pt x="1105281" y="1277431"/>
+                    <a:pt x="1043051" y="569723"/>
+                    <a:pt x="853821" y="382081"/>
+                  </a:cubicBezTo>
+                  <a:cubicBezTo>
+                    <a:pt x="664591" y="194439"/>
+                    <a:pt x="-45339" y="142051"/>
+                    <a:pt x="2286" y="94426"/>
+                  </a:cubicBezTo>
+                  <a:close/>
+                </a:path>
+              </a:pathLst>
+            </a:custGeom>
+            <a:grpFill/>
+            <a:ln>
+              <a:noFill/>
+            </a:ln>
+          </p:spPr>
+          <p:style>
+            <a:lnRef idx="2">
+              <a:schemeClr val="accent1">
+                <a:shade val="15000"/>
+              </a:schemeClr>
+            </a:lnRef>
+            <a:fillRef idx="1">
+              <a:schemeClr val="accent1"/>
+            </a:fillRef>
+            <a:effectRef idx="0">
+              <a:schemeClr val="accent1"/>
+            </a:effectRef>
+            <a:fontRef idx="minor">
+              <a:schemeClr val="lt1"/>
+            </a:fontRef>
+          </p:style>
+          <p:txBody>
+            <a:bodyPr rtlCol="0" anchor="ctr"/>
+            <a:lstStyle/>
+            <a:p>
+              <a:pPr algn="ctr"/>
+              <a:endParaRPr lang="zh-CN" altLang="en-US"/>
+            </a:p>
+          </p:txBody>
+        </p:sp>
+        <p:sp>
+          <p:nvSpPr>
+            <p:cNvPr id="62" name="任意多边形: 形状 61">
+              <a:extLst>
+                <a:ext uri="{FF2B5EF4-FFF2-40B4-BE49-F238E27FC236}">
+                  <a16:creationId xmlns:a16="http://schemas.microsoft.com/office/drawing/2014/main" id="{16383C30-44EA-A595-3C02-91A714DD2AD6}"/>
+                </a:ext>
+              </a:extLst>
+            </p:cNvPr>
+            <p:cNvSpPr/>
+            <p:nvPr/>
+          </p:nvSpPr>
+          <p:spPr>
+            <a:xfrm flipH="1" flipV="1">
+              <a:off x="9983882" y="2297428"/>
+              <a:ext cx="1240833" cy="1232098"/>
+            </a:xfrm>
+            <a:custGeom>
+              <a:avLst/>
+              <a:gdLst>
+                <a:gd name="connsiteX0" fmla="*/ 2286 w 1240834"/>
+                <a:gd name="connsiteY0" fmla="*/ 94426 h 1232099"/>
+                <a:gd name="connsiteX1" fmla="*/ 1139571 w 1240834"/>
+                <a:gd name="connsiteY1" fmla="*/ 96331 h 1232099"/>
+                <a:gd name="connsiteX2" fmla="*/ 1152906 w 1240834"/>
+                <a:gd name="connsiteY2" fmla="*/ 1229806 h 1232099"/>
+                <a:gd name="connsiteX3" fmla="*/ 853821 w 1240834"/>
+                <a:gd name="connsiteY3" fmla="*/ 382081 h 1232099"/>
+                <a:gd name="connsiteX4" fmla="*/ 2286 w 1240834"/>
+                <a:gd name="connsiteY4" fmla="*/ 94426 h 1232099"/>
+              </a:gdLst>
+              <a:ahLst/>
+              <a:cxnLst>
+                <a:cxn ang="0">
+                  <a:pos x="connsiteX0" y="connsiteY0"/>
+                </a:cxn>
+                <a:cxn ang="0">
+                  <a:pos x="connsiteX1" y="connsiteY1"/>
+                </a:cxn>
+                <a:cxn ang="0">
+                  <a:pos x="connsiteX2" y="connsiteY2"/>
+                </a:cxn>
+                <a:cxn ang="0">
+                  <a:pos x="connsiteX3" y="connsiteY3"/>
+                </a:cxn>
+                <a:cxn ang="0">
+                  <a:pos x="connsiteX4" y="connsiteY4"/>
+                </a:cxn>
+              </a:cxnLst>
+              <a:rect l="l" t="t" r="r" b="b"/>
+              <a:pathLst>
+                <a:path w="1240834" h="1232099">
+                  <a:moveTo>
+                    <a:pt x="2286" y="94426"/>
+                  </a:moveTo>
+                  <a:cubicBezTo>
+                    <a:pt x="49911" y="46801"/>
+                    <a:pt x="947801" y="-92899"/>
+                    <a:pt x="1139571" y="96331"/>
+                  </a:cubicBezTo>
+                  <a:cubicBezTo>
+                    <a:pt x="1331341" y="285561"/>
+                    <a:pt x="1200531" y="1182181"/>
+                    <a:pt x="1152906" y="1229806"/>
+                  </a:cubicBezTo>
+                  <a:cubicBezTo>
+                    <a:pt x="1105281" y="1277431"/>
+                    <a:pt x="1043051" y="569723"/>
+                    <a:pt x="853821" y="382081"/>
+                  </a:cubicBezTo>
+                  <a:cubicBezTo>
+                    <a:pt x="664591" y="194439"/>
+                    <a:pt x="-45339" y="142051"/>
+                    <a:pt x="2286" y="94426"/>
+                  </a:cubicBezTo>
+                  <a:close/>
+                </a:path>
+              </a:pathLst>
+            </a:custGeom>
+            <a:grpFill/>
+            <a:ln>
+              <a:noFill/>
+            </a:ln>
+          </p:spPr>
+          <p:style>
+            <a:lnRef idx="2">
+              <a:schemeClr val="accent1">
+                <a:shade val="15000"/>
+              </a:schemeClr>
+            </a:lnRef>
+            <a:fillRef idx="1">
+              <a:schemeClr val="accent1"/>
+            </a:fillRef>
+            <a:effectRef idx="0">
+              <a:schemeClr val="accent1"/>
+            </a:effectRef>
+            <a:fontRef idx="minor">
+              <a:schemeClr val="lt1"/>
+            </a:fontRef>
+          </p:style>
+          <p:txBody>
+            <a:bodyPr rtlCol="0" anchor="ctr"/>
+            <a:lstStyle/>
+            <a:p>
+              <a:pPr algn="ctr"/>
+              <a:endParaRPr lang="zh-CN" altLang="en-US"/>
+            </a:p>
+          </p:txBody>
+        </p:sp>
+        <p:sp>
+          <p:nvSpPr>
+            <p:cNvPr id="63" name="任意多边形: 形状 62">
+              <a:extLst>
+                <a:ext uri="{FF2B5EF4-FFF2-40B4-BE49-F238E27FC236}">
+                  <a16:creationId xmlns:a16="http://schemas.microsoft.com/office/drawing/2014/main" id="{51E4FBA8-C17B-54AB-853D-9C23466CCE93}"/>
+                </a:ext>
+              </a:extLst>
+            </p:cNvPr>
+            <p:cNvSpPr/>
+            <p:nvPr/>
+          </p:nvSpPr>
+          <p:spPr>
+            <a:xfrm flipV="1">
+              <a:off x="8919833" y="2297428"/>
+              <a:ext cx="1240835" cy="1232098"/>
+            </a:xfrm>
+            <a:custGeom>
+              <a:avLst/>
+              <a:gdLst>
+                <a:gd name="connsiteX0" fmla="*/ 2286 w 1240834"/>
+                <a:gd name="connsiteY0" fmla="*/ 94426 h 1232099"/>
+                <a:gd name="connsiteX1" fmla="*/ 1139571 w 1240834"/>
+                <a:gd name="connsiteY1" fmla="*/ 96331 h 1232099"/>
+                <a:gd name="connsiteX2" fmla="*/ 1152906 w 1240834"/>
+                <a:gd name="connsiteY2" fmla="*/ 1229806 h 1232099"/>
+                <a:gd name="connsiteX3" fmla="*/ 853821 w 1240834"/>
+                <a:gd name="connsiteY3" fmla="*/ 382081 h 1232099"/>
+                <a:gd name="connsiteX4" fmla="*/ 2286 w 1240834"/>
+                <a:gd name="connsiteY4" fmla="*/ 94426 h 1232099"/>
+              </a:gdLst>
+              <a:ahLst/>
+              <a:cxnLst>
+                <a:cxn ang="0">
+                  <a:pos x="connsiteX0" y="connsiteY0"/>
+                </a:cxn>
+                <a:cxn ang="0">
+                  <a:pos x="connsiteX1" y="connsiteY1"/>
+                </a:cxn>
+                <a:cxn ang="0">
+                  <a:pos x="connsiteX2" y="connsiteY2"/>
+                </a:cxn>
+                <a:cxn ang="0">
+                  <a:pos x="connsiteX3" y="connsiteY3"/>
+                </a:cxn>
+                <a:cxn ang="0">
+                  <a:pos x="connsiteX4" y="connsiteY4"/>
+                </a:cxn>
+              </a:cxnLst>
+              <a:rect l="l" t="t" r="r" b="b"/>
+              <a:pathLst>
+                <a:path w="1240834" h="1232099">
+                  <a:moveTo>
+                    <a:pt x="2286" y="94426"/>
+                  </a:moveTo>
+                  <a:cubicBezTo>
+                    <a:pt x="49911" y="46801"/>
+                    <a:pt x="947801" y="-92899"/>
+                    <a:pt x="1139571" y="96331"/>
+                  </a:cubicBezTo>
+                  <a:cubicBezTo>
+                    <a:pt x="1331341" y="285561"/>
+                    <a:pt x="1200531" y="1182181"/>
+                    <a:pt x="1152906" y="1229806"/>
+                  </a:cubicBezTo>
+                  <a:cubicBezTo>
+                    <a:pt x="1105281" y="1277431"/>
+                    <a:pt x="1043051" y="569723"/>
+                    <a:pt x="853821" y="382081"/>
+                  </a:cubicBezTo>
+                  <a:cubicBezTo>
+                    <a:pt x="664591" y="194439"/>
+                    <a:pt x="-45339" y="142051"/>
+                    <a:pt x="2286" y="94426"/>
+                  </a:cubicBezTo>
+                  <a:close/>
+                </a:path>
+              </a:pathLst>
+            </a:custGeom>
+            <a:grpFill/>
+            <a:ln>
+              <a:noFill/>
+            </a:ln>
+          </p:spPr>
+          <p:style>
+            <a:lnRef idx="2">
+              <a:schemeClr val="accent1">
+                <a:shade val="15000"/>
+              </a:schemeClr>
+            </a:lnRef>
+            <a:fillRef idx="1">
+              <a:schemeClr val="accent1"/>
+            </a:fillRef>
+            <a:effectRef idx="0">
+              <a:schemeClr val="accent1"/>
+            </a:effectRef>
+            <a:fontRef idx="minor">
+              <a:schemeClr val="lt1"/>
+            </a:fontRef>
+          </p:style>
+          <p:txBody>
+            <a:bodyPr rtlCol="0" anchor="ctr"/>
+            <a:lstStyle/>
+            <a:p>
+              <a:pPr algn="ctr"/>
+              <a:endParaRPr lang="zh-CN" altLang="en-US" dirty="0"/>
+            </a:p>
+          </p:txBody>
+        </p:sp>
+        <p:sp>
+          <p:nvSpPr>
+            <p:cNvPr id="70" name="矩形 69">
+              <a:extLst>
+                <a:ext uri="{FF2B5EF4-FFF2-40B4-BE49-F238E27FC236}">
+                  <a16:creationId xmlns:a16="http://schemas.microsoft.com/office/drawing/2014/main" id="{C27E550C-7C94-983D-30E2-25C40EA7432F}"/>
+                </a:ext>
+              </a:extLst>
+            </p:cNvPr>
+            <p:cNvSpPr/>
+            <p:nvPr/>
+          </p:nvSpPr>
+          <p:spPr>
+            <a:xfrm>
+              <a:off x="9954260" y="3225800"/>
+              <a:ext cx="271780" cy="325120"/>
+            </a:xfrm>
+            <a:prstGeom prst="rect">
+              <a:avLst/>
+            </a:prstGeom>
+            <a:grpFill/>
+            <a:ln>
+              <a:noFill/>
+            </a:ln>
+          </p:spPr>
+          <p:style>
+            <a:lnRef idx="2">
+              <a:schemeClr val="accent1">
+                <a:shade val="15000"/>
+              </a:schemeClr>
+            </a:lnRef>
+            <a:fillRef idx="1">
+              <a:schemeClr val="accent1"/>
+            </a:fillRef>
+            <a:effectRef idx="0">
+              <a:schemeClr val="accent1"/>
+            </a:effectRef>
+            <a:fontRef idx="minor">
+              <a:schemeClr val="lt1"/>
+            </a:fontRef>
+          </p:style>
+          <p:txBody>
+            <a:bodyPr rtlCol="0" anchor="ctr"/>
+            <a:lstStyle/>
+            <a:p>
+              <a:pPr algn="ctr"/>
+              <a:endParaRPr lang="zh-CN" altLang="en-US"/>
+            </a:p>
+          </p:txBody>
+        </p:sp>
+      </p:grpSp>
+    </p:spTree>
+    <p:extLst>
+      <p:ext uri="{BB962C8B-B14F-4D97-AF65-F5344CB8AC3E}">
+        <p14:creationId xmlns:p14="http://schemas.microsoft.com/office/powerpoint/2010/main" val="3891982432"/>
+      </p:ext>
+    </p:extLst>
+  </p:cSld>
+  <p:clrMapOvr>
+    <a:masterClrMapping/>
+  </p:clrMapOvr>
+</p:sld>
+</file>
+
+<file path=ppt/slides/slide5.xml><?xml version="1.0" encoding="utf-8"?>
+<p:sld xmlns:a="http://schemas.openxmlformats.org/drawingml/2006/main" xmlns:r="http://schemas.openxmlformats.org/officeDocument/2006/relationships" xmlns:p="http://schemas.openxmlformats.org/presentationml/2006/main">
+  <p:cSld>
+    <p:spTree>
+      <p:nvGrpSpPr>
+        <p:cNvPr id="1" name=""/>
+        <p:cNvGrpSpPr/>
+        <p:nvPr/>
+      </p:nvGrpSpPr>
+      <p:grpSpPr>
+        <a:xfrm>
+          <a:off x="0" y="0"/>
+          <a:ext cx="0" cy="0"/>
+          <a:chOff x="0" y="0"/>
+          <a:chExt cx="0" cy="0"/>
+        </a:xfrm>
+      </p:grpSpPr>
+      <p:sp>
+        <p:nvSpPr>
           <p:cNvPr id="54" name="矩形 53">
             <a:extLst>
               <a:ext uri="{FF2B5EF4-FFF2-40B4-BE49-F238E27FC236}">
@@ -18869,7 +19820,7 @@
 </p:sld>
 </file>
 
-<file path=ppt/slides/slide5.xml><?xml version="1.0" encoding="utf-8"?>
+<file path=ppt/slides/slide6.xml><?xml version="1.0" encoding="utf-8"?>
 <p:sld xmlns:a="http://schemas.openxmlformats.org/drawingml/2006/main" xmlns:r="http://schemas.openxmlformats.org/officeDocument/2006/relationships" xmlns:p="http://schemas.openxmlformats.org/presentationml/2006/main">
   <p:cSld>
     <p:spTree>

--- a/yblog/articlezone/static/ppt.pptx
+++ b/yblog/articlezone/static/ppt.pptx
@@ -9,8 +9,9 @@
     <p:sldId id="257" r:id="rId3"/>
     <p:sldId id="258" r:id="rId4"/>
     <p:sldId id="261" r:id="rId5"/>
-    <p:sldId id="259" r:id="rId6"/>
-    <p:sldId id="260" r:id="rId7"/>
+    <p:sldId id="262" r:id="rId6"/>
+    <p:sldId id="259" r:id="rId7"/>
+    <p:sldId id="260" r:id="rId8"/>
   </p:sldIdLst>
   <p:sldSz cx="12192000" cy="6858000"/>
   <p:notesSz cx="6858000" cy="9144000"/>
@@ -264,7 +265,7 @@
           <a:p>
             <a:fld id="{B1DF776B-EA18-4CD6-967A-D505FAA2AFBA}" type="datetimeFigureOut">
               <a:rPr lang="zh-CN" altLang="en-US" smtClean="0"/>
-              <a:t>2024/1/4</a:t>
+              <a:t>2024/1/5</a:t>
             </a:fld>
             <a:endParaRPr lang="zh-CN" altLang="en-US"/>
           </a:p>
@@ -462,7 +463,7 @@
           <a:p>
             <a:fld id="{B1DF776B-EA18-4CD6-967A-D505FAA2AFBA}" type="datetimeFigureOut">
               <a:rPr lang="zh-CN" altLang="en-US" smtClean="0"/>
-              <a:t>2024/1/4</a:t>
+              <a:t>2024/1/5</a:t>
             </a:fld>
             <a:endParaRPr lang="zh-CN" altLang="en-US"/>
           </a:p>
@@ -670,7 +671,7 @@
           <a:p>
             <a:fld id="{B1DF776B-EA18-4CD6-967A-D505FAA2AFBA}" type="datetimeFigureOut">
               <a:rPr lang="zh-CN" altLang="en-US" smtClean="0"/>
-              <a:t>2024/1/4</a:t>
+              <a:t>2024/1/5</a:t>
             </a:fld>
             <a:endParaRPr lang="zh-CN" altLang="en-US"/>
           </a:p>
@@ -868,7 +869,7 @@
           <a:p>
             <a:fld id="{B1DF776B-EA18-4CD6-967A-D505FAA2AFBA}" type="datetimeFigureOut">
               <a:rPr lang="zh-CN" altLang="en-US" smtClean="0"/>
-              <a:t>2024/1/4</a:t>
+              <a:t>2024/1/5</a:t>
             </a:fld>
             <a:endParaRPr lang="zh-CN" altLang="en-US"/>
           </a:p>
@@ -1143,7 +1144,7 @@
           <a:p>
             <a:fld id="{B1DF776B-EA18-4CD6-967A-D505FAA2AFBA}" type="datetimeFigureOut">
               <a:rPr lang="zh-CN" altLang="en-US" smtClean="0"/>
-              <a:t>2024/1/4</a:t>
+              <a:t>2024/1/5</a:t>
             </a:fld>
             <a:endParaRPr lang="zh-CN" altLang="en-US"/>
           </a:p>
@@ -1408,7 +1409,7 @@
           <a:p>
             <a:fld id="{B1DF776B-EA18-4CD6-967A-D505FAA2AFBA}" type="datetimeFigureOut">
               <a:rPr lang="zh-CN" altLang="en-US" smtClean="0"/>
-              <a:t>2024/1/4</a:t>
+              <a:t>2024/1/5</a:t>
             </a:fld>
             <a:endParaRPr lang="zh-CN" altLang="en-US"/>
           </a:p>
@@ -1820,7 +1821,7 @@
           <a:p>
             <a:fld id="{B1DF776B-EA18-4CD6-967A-D505FAA2AFBA}" type="datetimeFigureOut">
               <a:rPr lang="zh-CN" altLang="en-US" smtClean="0"/>
-              <a:t>2024/1/4</a:t>
+              <a:t>2024/1/5</a:t>
             </a:fld>
             <a:endParaRPr lang="zh-CN" altLang="en-US"/>
           </a:p>
@@ -1961,7 +1962,7 @@
           <a:p>
             <a:fld id="{B1DF776B-EA18-4CD6-967A-D505FAA2AFBA}" type="datetimeFigureOut">
               <a:rPr lang="zh-CN" altLang="en-US" smtClean="0"/>
-              <a:t>2024/1/4</a:t>
+              <a:t>2024/1/5</a:t>
             </a:fld>
             <a:endParaRPr lang="zh-CN" altLang="en-US"/>
           </a:p>
@@ -2074,7 +2075,7 @@
           <a:p>
             <a:fld id="{B1DF776B-EA18-4CD6-967A-D505FAA2AFBA}" type="datetimeFigureOut">
               <a:rPr lang="zh-CN" altLang="en-US" smtClean="0"/>
-              <a:t>2024/1/4</a:t>
+              <a:t>2024/1/5</a:t>
             </a:fld>
             <a:endParaRPr lang="zh-CN" altLang="en-US"/>
           </a:p>
@@ -2385,7 +2386,7 @@
           <a:p>
             <a:fld id="{B1DF776B-EA18-4CD6-967A-D505FAA2AFBA}" type="datetimeFigureOut">
               <a:rPr lang="zh-CN" altLang="en-US" smtClean="0"/>
-              <a:t>2024/1/4</a:t>
+              <a:t>2024/1/5</a:t>
             </a:fld>
             <a:endParaRPr lang="zh-CN" altLang="en-US"/>
           </a:p>
@@ -2673,7 +2674,7 @@
           <a:p>
             <a:fld id="{B1DF776B-EA18-4CD6-967A-D505FAA2AFBA}" type="datetimeFigureOut">
               <a:rPr lang="zh-CN" altLang="en-US" smtClean="0"/>
-              <a:t>2024/1/4</a:t>
+              <a:t>2024/1/5</a:t>
             </a:fld>
             <a:endParaRPr lang="zh-CN" altLang="en-US"/>
           </a:p>
@@ -2914,7 +2915,7 @@
           <a:p>
             <a:fld id="{B1DF776B-EA18-4CD6-967A-D505FAA2AFBA}" type="datetimeFigureOut">
               <a:rPr lang="zh-CN" altLang="en-US" smtClean="0"/>
-              <a:t>2024/1/4</a:t>
+              <a:t>2024/1/5</a:t>
             </a:fld>
             <a:endParaRPr lang="zh-CN" altLang="en-US"/>
           </a:p>
@@ -18385,6 +18386,1020 @@
           <a:chExt cx="0" cy="0"/>
         </a:xfrm>
       </p:grpSpPr>
+      <p:pic>
+        <p:nvPicPr>
+          <p:cNvPr id="2" name="图片 1">
+            <a:extLst>
+              <a:ext uri="{FF2B5EF4-FFF2-40B4-BE49-F238E27FC236}">
+                <a16:creationId xmlns:a16="http://schemas.microsoft.com/office/drawing/2014/main" id="{323C6F0D-A621-88C7-BB83-34171F2D45EB}"/>
+              </a:ext>
+            </a:extLst>
+          </p:cNvPr>
+          <p:cNvPicPr>
+            <a:picLocks noChangeAspect="1"/>
+          </p:cNvPicPr>
+          <p:nvPr/>
+        </p:nvPicPr>
+        <p:blipFill>
+          <a:blip r:embed="rId2"/>
+          <a:stretch>
+            <a:fillRect/>
+          </a:stretch>
+        </p:blipFill>
+        <p:spPr>
+          <a:xfrm>
+            <a:off x="601883" y="1226351"/>
+            <a:ext cx="7983828" cy="4088854"/>
+          </a:xfrm>
+          <a:prstGeom prst="rect">
+            <a:avLst/>
+          </a:prstGeom>
+        </p:spPr>
+      </p:pic>
+      <p:sp>
+        <p:nvSpPr>
+          <p:cNvPr id="45" name="矩形 44">
+            <a:extLst>
+              <a:ext uri="{FF2B5EF4-FFF2-40B4-BE49-F238E27FC236}">
+                <a16:creationId xmlns:a16="http://schemas.microsoft.com/office/drawing/2014/main" id="{730C3F37-15C7-54AD-14D9-01A48B329945}"/>
+              </a:ext>
+            </a:extLst>
+          </p:cNvPr>
+          <p:cNvSpPr/>
+          <p:nvPr/>
+        </p:nvSpPr>
+        <p:spPr>
+          <a:xfrm>
+            <a:off x="9302496" y="524255"/>
+            <a:ext cx="1144685" cy="1144685"/>
+          </a:xfrm>
+          <a:prstGeom prst="rect">
+            <a:avLst/>
+          </a:prstGeom>
+        </p:spPr>
+        <p:style>
+          <a:lnRef idx="2">
+            <a:schemeClr val="accent1">
+              <a:shade val="15000"/>
+            </a:schemeClr>
+          </a:lnRef>
+          <a:fillRef idx="1">
+            <a:schemeClr val="accent1"/>
+          </a:fillRef>
+          <a:effectRef idx="0">
+            <a:schemeClr val="accent1"/>
+          </a:effectRef>
+          <a:fontRef idx="minor">
+            <a:schemeClr val="lt1"/>
+          </a:fontRef>
+        </p:style>
+        <p:txBody>
+          <a:bodyPr rtlCol="0" anchor="ctr"/>
+          <a:lstStyle/>
+          <a:p>
+            <a:pPr algn="ctr"/>
+            <a:endParaRPr lang="zh-CN" altLang="en-US"/>
+          </a:p>
+        </p:txBody>
+      </p:sp>
+      <p:sp>
+        <p:nvSpPr>
+          <p:cNvPr id="46" name="矩形 45">
+            <a:extLst>
+              <a:ext uri="{FF2B5EF4-FFF2-40B4-BE49-F238E27FC236}">
+                <a16:creationId xmlns:a16="http://schemas.microsoft.com/office/drawing/2014/main" id="{ACDC10BF-B64D-F415-E088-69ECEA9C774E}"/>
+              </a:ext>
+            </a:extLst>
+          </p:cNvPr>
+          <p:cNvSpPr/>
+          <p:nvPr/>
+        </p:nvSpPr>
+        <p:spPr>
+          <a:xfrm>
+            <a:off x="9302496" y="524255"/>
+            <a:ext cx="573025" cy="573025"/>
+          </a:xfrm>
+          <a:prstGeom prst="rect">
+            <a:avLst/>
+          </a:prstGeom>
+        </p:spPr>
+        <p:style>
+          <a:lnRef idx="2">
+            <a:schemeClr val="accent1">
+              <a:shade val="15000"/>
+            </a:schemeClr>
+          </a:lnRef>
+          <a:fillRef idx="1">
+            <a:schemeClr val="accent1"/>
+          </a:fillRef>
+          <a:effectRef idx="0">
+            <a:schemeClr val="accent1"/>
+          </a:effectRef>
+          <a:fontRef idx="minor">
+            <a:schemeClr val="lt1"/>
+          </a:fontRef>
+        </p:style>
+        <p:txBody>
+          <a:bodyPr rtlCol="0" anchor="ctr"/>
+          <a:lstStyle/>
+          <a:p>
+            <a:pPr algn="ctr"/>
+            <a:endParaRPr lang="zh-CN" altLang="en-US"/>
+          </a:p>
+        </p:txBody>
+      </p:sp>
+      <p:sp>
+        <p:nvSpPr>
+          <p:cNvPr id="47" name="矩形 46">
+            <a:extLst>
+              <a:ext uri="{FF2B5EF4-FFF2-40B4-BE49-F238E27FC236}">
+                <a16:creationId xmlns:a16="http://schemas.microsoft.com/office/drawing/2014/main" id="{FDC38CDC-0B4B-DF3C-795F-98EC1EA8A1C9}"/>
+              </a:ext>
+            </a:extLst>
+          </p:cNvPr>
+          <p:cNvSpPr/>
+          <p:nvPr/>
+        </p:nvSpPr>
+        <p:spPr>
+          <a:xfrm>
+            <a:off x="9874155" y="524255"/>
+            <a:ext cx="573026" cy="573026"/>
+          </a:xfrm>
+          <a:prstGeom prst="rect">
+            <a:avLst/>
+          </a:prstGeom>
+        </p:spPr>
+        <p:style>
+          <a:lnRef idx="2">
+            <a:schemeClr val="accent1">
+              <a:shade val="15000"/>
+            </a:schemeClr>
+          </a:lnRef>
+          <a:fillRef idx="1">
+            <a:schemeClr val="accent1"/>
+          </a:fillRef>
+          <a:effectRef idx="0">
+            <a:schemeClr val="accent1"/>
+          </a:effectRef>
+          <a:fontRef idx="minor">
+            <a:schemeClr val="lt1"/>
+          </a:fontRef>
+        </p:style>
+        <p:txBody>
+          <a:bodyPr rtlCol="0" anchor="ctr"/>
+          <a:lstStyle/>
+          <a:p>
+            <a:pPr algn="ctr"/>
+            <a:endParaRPr lang="zh-CN" altLang="en-US"/>
+          </a:p>
+        </p:txBody>
+      </p:sp>
+      <p:cxnSp>
+        <p:nvCxnSpPr>
+          <p:cNvPr id="52" name="直接连接符 51">
+            <a:extLst>
+              <a:ext uri="{FF2B5EF4-FFF2-40B4-BE49-F238E27FC236}">
+                <a16:creationId xmlns:a16="http://schemas.microsoft.com/office/drawing/2014/main" id="{746AA73F-84CC-1A87-2D8E-51A165EB52FA}"/>
+              </a:ext>
+            </a:extLst>
+          </p:cNvPr>
+          <p:cNvCxnSpPr/>
+          <p:nvPr/>
+        </p:nvCxnSpPr>
+        <p:spPr>
+          <a:xfrm flipH="1">
+            <a:off x="9302496" y="524255"/>
+            <a:ext cx="1144685" cy="1144685"/>
+          </a:xfrm>
+          <a:prstGeom prst="line">
+            <a:avLst/>
+          </a:prstGeom>
+        </p:spPr>
+        <p:style>
+          <a:lnRef idx="1">
+            <a:schemeClr val="dk1"/>
+          </a:lnRef>
+          <a:fillRef idx="0">
+            <a:schemeClr val="dk1"/>
+          </a:fillRef>
+          <a:effectRef idx="0">
+            <a:schemeClr val="dk1"/>
+          </a:effectRef>
+          <a:fontRef idx="minor">
+            <a:schemeClr val="tx1"/>
+          </a:fontRef>
+        </p:style>
+      </p:cxnSp>
+      <p:cxnSp>
+        <p:nvCxnSpPr>
+          <p:cNvPr id="53" name="直接连接符 52">
+            <a:extLst>
+              <a:ext uri="{FF2B5EF4-FFF2-40B4-BE49-F238E27FC236}">
+                <a16:creationId xmlns:a16="http://schemas.microsoft.com/office/drawing/2014/main" id="{AB90F960-59F4-F524-7A44-63E6A8719D09}"/>
+              </a:ext>
+            </a:extLst>
+          </p:cNvPr>
+          <p:cNvCxnSpPr>
+            <a:cxnSpLocks/>
+          </p:cNvCxnSpPr>
+          <p:nvPr/>
+        </p:nvCxnSpPr>
+        <p:spPr>
+          <a:xfrm flipH="1" flipV="1">
+            <a:off x="9302496" y="524254"/>
+            <a:ext cx="1144685" cy="1144686"/>
+          </a:xfrm>
+          <a:prstGeom prst="line">
+            <a:avLst/>
+          </a:prstGeom>
+        </p:spPr>
+        <p:style>
+          <a:lnRef idx="1">
+            <a:schemeClr val="dk1"/>
+          </a:lnRef>
+          <a:fillRef idx="0">
+            <a:schemeClr val="dk1"/>
+          </a:fillRef>
+          <a:effectRef idx="0">
+            <a:schemeClr val="dk1"/>
+          </a:effectRef>
+          <a:fontRef idx="minor">
+            <a:schemeClr val="tx1"/>
+          </a:fontRef>
+        </p:style>
+      </p:cxnSp>
+      <p:cxnSp>
+        <p:nvCxnSpPr>
+          <p:cNvPr id="56" name="直接连接符 55">
+            <a:extLst>
+              <a:ext uri="{FF2B5EF4-FFF2-40B4-BE49-F238E27FC236}">
+                <a16:creationId xmlns:a16="http://schemas.microsoft.com/office/drawing/2014/main" id="{A27E8F0A-B57E-398D-B36B-0893892CFC3F}"/>
+              </a:ext>
+            </a:extLst>
+          </p:cNvPr>
+          <p:cNvCxnSpPr>
+            <a:cxnSpLocks/>
+            <a:stCxn id="45" idx="3"/>
+          </p:cNvCxnSpPr>
+          <p:nvPr/>
+        </p:nvCxnSpPr>
+        <p:spPr>
+          <a:xfrm flipH="1" flipV="1">
+            <a:off x="9874155" y="524253"/>
+            <a:ext cx="573026" cy="572345"/>
+          </a:xfrm>
+          <a:prstGeom prst="line">
+            <a:avLst/>
+          </a:prstGeom>
+        </p:spPr>
+        <p:style>
+          <a:lnRef idx="1">
+            <a:schemeClr val="dk1"/>
+          </a:lnRef>
+          <a:fillRef idx="0">
+            <a:schemeClr val="dk1"/>
+          </a:fillRef>
+          <a:effectRef idx="0">
+            <a:schemeClr val="dk1"/>
+          </a:effectRef>
+          <a:fontRef idx="minor">
+            <a:schemeClr val="tx1"/>
+          </a:fontRef>
+        </p:style>
+      </p:cxnSp>
+      <p:sp>
+        <p:nvSpPr>
+          <p:cNvPr id="59" name="任意多边形: 形状 58">
+            <a:extLst>
+              <a:ext uri="{FF2B5EF4-FFF2-40B4-BE49-F238E27FC236}">
+                <a16:creationId xmlns:a16="http://schemas.microsoft.com/office/drawing/2014/main" id="{54CBD379-CCEB-85AD-6644-6CEB4B9377A6}"/>
+              </a:ext>
+            </a:extLst>
+          </p:cNvPr>
+          <p:cNvSpPr/>
+          <p:nvPr/>
+        </p:nvSpPr>
+        <p:spPr>
+          <a:xfrm>
+            <a:off x="9302496" y="418210"/>
+            <a:ext cx="1255776" cy="1250730"/>
+          </a:xfrm>
+          <a:custGeom>
+            <a:avLst/>
+            <a:gdLst>
+              <a:gd name="connsiteX0" fmla="*/ 2286 w 1240834"/>
+              <a:gd name="connsiteY0" fmla="*/ 94426 h 1232099"/>
+              <a:gd name="connsiteX1" fmla="*/ 1139571 w 1240834"/>
+              <a:gd name="connsiteY1" fmla="*/ 96331 h 1232099"/>
+              <a:gd name="connsiteX2" fmla="*/ 1152906 w 1240834"/>
+              <a:gd name="connsiteY2" fmla="*/ 1229806 h 1232099"/>
+              <a:gd name="connsiteX3" fmla="*/ 853821 w 1240834"/>
+              <a:gd name="connsiteY3" fmla="*/ 382081 h 1232099"/>
+              <a:gd name="connsiteX4" fmla="*/ 2286 w 1240834"/>
+              <a:gd name="connsiteY4" fmla="*/ 94426 h 1232099"/>
+            </a:gdLst>
+            <a:ahLst/>
+            <a:cxnLst>
+              <a:cxn ang="0">
+                <a:pos x="connsiteX0" y="connsiteY0"/>
+              </a:cxn>
+              <a:cxn ang="0">
+                <a:pos x="connsiteX1" y="connsiteY1"/>
+              </a:cxn>
+              <a:cxn ang="0">
+                <a:pos x="connsiteX2" y="connsiteY2"/>
+              </a:cxn>
+              <a:cxn ang="0">
+                <a:pos x="connsiteX3" y="connsiteY3"/>
+              </a:cxn>
+              <a:cxn ang="0">
+                <a:pos x="connsiteX4" y="connsiteY4"/>
+              </a:cxn>
+            </a:cxnLst>
+            <a:rect l="l" t="t" r="r" b="b"/>
+            <a:pathLst>
+              <a:path w="1240834" h="1232099">
+                <a:moveTo>
+                  <a:pt x="2286" y="94426"/>
+                </a:moveTo>
+                <a:cubicBezTo>
+                  <a:pt x="49911" y="46801"/>
+                  <a:pt x="947801" y="-92899"/>
+                  <a:pt x="1139571" y="96331"/>
+                </a:cubicBezTo>
+                <a:cubicBezTo>
+                  <a:pt x="1331341" y="285561"/>
+                  <a:pt x="1200531" y="1182181"/>
+                  <a:pt x="1152906" y="1229806"/>
+                </a:cubicBezTo>
+                <a:cubicBezTo>
+                  <a:pt x="1105281" y="1277431"/>
+                  <a:pt x="1043051" y="569723"/>
+                  <a:pt x="853821" y="382081"/>
+                </a:cubicBezTo>
+                <a:cubicBezTo>
+                  <a:pt x="664591" y="194439"/>
+                  <a:pt x="-45339" y="142051"/>
+                  <a:pt x="2286" y="94426"/>
+                </a:cubicBezTo>
+                <a:close/>
+              </a:path>
+            </a:pathLst>
+          </a:custGeom>
+        </p:spPr>
+        <p:style>
+          <a:lnRef idx="2">
+            <a:schemeClr val="accent1">
+              <a:shade val="15000"/>
+            </a:schemeClr>
+          </a:lnRef>
+          <a:fillRef idx="1">
+            <a:schemeClr val="accent1"/>
+          </a:fillRef>
+          <a:effectRef idx="0">
+            <a:schemeClr val="accent1"/>
+          </a:effectRef>
+          <a:fontRef idx="minor">
+            <a:schemeClr val="lt1"/>
+          </a:fontRef>
+        </p:style>
+        <p:txBody>
+          <a:bodyPr rtlCol="0" anchor="ctr"/>
+          <a:lstStyle/>
+          <a:p>
+            <a:pPr algn="ctr"/>
+            <a:endParaRPr lang="zh-CN" altLang="en-US"/>
+          </a:p>
+        </p:txBody>
+      </p:sp>
+      <p:pic>
+        <p:nvPicPr>
+          <p:cNvPr id="3" name="图片 2">
+            <a:extLst>
+              <a:ext uri="{FF2B5EF4-FFF2-40B4-BE49-F238E27FC236}">
+                <a16:creationId xmlns:a16="http://schemas.microsoft.com/office/drawing/2014/main" id="{E9510F6E-661F-9CFB-56C3-4179564F2E69}"/>
+              </a:ext>
+            </a:extLst>
+          </p:cNvPr>
+          <p:cNvPicPr>
+            <a:picLocks noChangeAspect="1"/>
+          </p:cNvPicPr>
+          <p:nvPr/>
+        </p:nvPicPr>
+        <p:blipFill>
+          <a:blip r:embed="rId3"/>
+          <a:stretch>
+            <a:fillRect/>
+          </a:stretch>
+        </p:blipFill>
+        <p:spPr>
+          <a:xfrm>
+            <a:off x="2383493" y="5508639"/>
+            <a:ext cx="8912783" cy="4291063"/>
+          </a:xfrm>
+          <a:prstGeom prst="rect">
+            <a:avLst/>
+          </a:prstGeom>
+        </p:spPr>
+      </p:pic>
+      <p:sp>
+        <p:nvSpPr>
+          <p:cNvPr id="5" name="矩形: 圆角 4">
+            <a:extLst>
+              <a:ext uri="{FF2B5EF4-FFF2-40B4-BE49-F238E27FC236}">
+                <a16:creationId xmlns:a16="http://schemas.microsoft.com/office/drawing/2014/main" id="{F6E028CB-81A3-5B17-10CE-1D2119A95888}"/>
+              </a:ext>
+            </a:extLst>
+          </p:cNvPr>
+          <p:cNvSpPr/>
+          <p:nvPr/>
+        </p:nvSpPr>
+        <p:spPr>
+          <a:xfrm>
+            <a:off x="3369781" y="1570644"/>
+            <a:ext cx="3551127" cy="3551127"/>
+          </a:xfrm>
+          <a:prstGeom prst="roundRect">
+            <a:avLst>
+              <a:gd name="adj" fmla="val 20904"/>
+            </a:avLst>
+          </a:prstGeom>
+          <a:solidFill>
+            <a:srgbClr val="142440"/>
+          </a:solidFill>
+          <a:ln>
+            <a:solidFill>
+              <a:schemeClr val="bg1">
+                <a:lumMod val="65000"/>
+              </a:schemeClr>
+            </a:solidFill>
+          </a:ln>
+        </p:spPr>
+        <p:style>
+          <a:lnRef idx="2">
+            <a:schemeClr val="accent1">
+              <a:shade val="15000"/>
+            </a:schemeClr>
+          </a:lnRef>
+          <a:fillRef idx="1">
+            <a:schemeClr val="accent1"/>
+          </a:fillRef>
+          <a:effectRef idx="0">
+            <a:schemeClr val="accent1"/>
+          </a:effectRef>
+          <a:fontRef idx="minor">
+            <a:schemeClr val="lt1"/>
+          </a:fontRef>
+        </p:style>
+        <p:txBody>
+          <a:bodyPr rtlCol="0" anchor="ctr"/>
+          <a:lstStyle/>
+          <a:p>
+            <a:pPr algn="ctr"/>
+            <a:endParaRPr lang="zh-CN" altLang="en-US"/>
+          </a:p>
+        </p:txBody>
+      </p:sp>
+      <p:grpSp>
+        <p:nvGrpSpPr>
+          <p:cNvPr id="6" name="组合 5">
+            <a:extLst>
+              <a:ext uri="{FF2B5EF4-FFF2-40B4-BE49-F238E27FC236}">
+                <a16:creationId xmlns:a16="http://schemas.microsoft.com/office/drawing/2014/main" id="{482E57F6-6AF7-35D0-A7A9-183E534A6216}"/>
+              </a:ext>
+            </a:extLst>
+          </p:cNvPr>
+          <p:cNvGrpSpPr/>
+          <p:nvPr/>
+        </p:nvGrpSpPr>
+        <p:grpSpPr>
+          <a:xfrm>
+            <a:off x="3532274" y="1778660"/>
+            <a:ext cx="2838046" cy="2787824"/>
+            <a:chOff x="8919833" y="2297428"/>
+            <a:chExt cx="2304883" cy="2264096"/>
+          </a:xfrm>
+          <a:solidFill>
+            <a:srgbClr val="ECFAFE"/>
+          </a:solidFill>
+        </p:grpSpPr>
+        <p:sp>
+          <p:nvSpPr>
+            <p:cNvPr id="7" name="任意多边形: 形状 6">
+              <a:extLst>
+                <a:ext uri="{FF2B5EF4-FFF2-40B4-BE49-F238E27FC236}">
+                  <a16:creationId xmlns:a16="http://schemas.microsoft.com/office/drawing/2014/main" id="{322FDF68-4C1A-6602-3ECC-1DE09511E695}"/>
+                </a:ext>
+              </a:extLst>
+            </p:cNvPr>
+            <p:cNvSpPr/>
+            <p:nvPr/>
+          </p:nvSpPr>
+          <p:spPr>
+            <a:xfrm>
+              <a:off x="8919834" y="3325843"/>
+              <a:ext cx="1240834" cy="1232099"/>
+            </a:xfrm>
+            <a:custGeom>
+              <a:avLst/>
+              <a:gdLst>
+                <a:gd name="connsiteX0" fmla="*/ 2286 w 1240834"/>
+                <a:gd name="connsiteY0" fmla="*/ 94426 h 1232099"/>
+                <a:gd name="connsiteX1" fmla="*/ 1139571 w 1240834"/>
+                <a:gd name="connsiteY1" fmla="*/ 96331 h 1232099"/>
+                <a:gd name="connsiteX2" fmla="*/ 1152906 w 1240834"/>
+                <a:gd name="connsiteY2" fmla="*/ 1229806 h 1232099"/>
+                <a:gd name="connsiteX3" fmla="*/ 853821 w 1240834"/>
+                <a:gd name="connsiteY3" fmla="*/ 382081 h 1232099"/>
+                <a:gd name="connsiteX4" fmla="*/ 2286 w 1240834"/>
+                <a:gd name="connsiteY4" fmla="*/ 94426 h 1232099"/>
+              </a:gdLst>
+              <a:ahLst/>
+              <a:cxnLst>
+                <a:cxn ang="0">
+                  <a:pos x="connsiteX0" y="connsiteY0"/>
+                </a:cxn>
+                <a:cxn ang="0">
+                  <a:pos x="connsiteX1" y="connsiteY1"/>
+                </a:cxn>
+                <a:cxn ang="0">
+                  <a:pos x="connsiteX2" y="connsiteY2"/>
+                </a:cxn>
+                <a:cxn ang="0">
+                  <a:pos x="connsiteX3" y="connsiteY3"/>
+                </a:cxn>
+                <a:cxn ang="0">
+                  <a:pos x="connsiteX4" y="connsiteY4"/>
+                </a:cxn>
+              </a:cxnLst>
+              <a:rect l="l" t="t" r="r" b="b"/>
+              <a:pathLst>
+                <a:path w="1240834" h="1232099">
+                  <a:moveTo>
+                    <a:pt x="2286" y="94426"/>
+                  </a:moveTo>
+                  <a:cubicBezTo>
+                    <a:pt x="49911" y="46801"/>
+                    <a:pt x="947801" y="-92899"/>
+                    <a:pt x="1139571" y="96331"/>
+                  </a:cubicBezTo>
+                  <a:cubicBezTo>
+                    <a:pt x="1331341" y="285561"/>
+                    <a:pt x="1200531" y="1182181"/>
+                    <a:pt x="1152906" y="1229806"/>
+                  </a:cubicBezTo>
+                  <a:cubicBezTo>
+                    <a:pt x="1105281" y="1277431"/>
+                    <a:pt x="1043051" y="569723"/>
+                    <a:pt x="853821" y="382081"/>
+                  </a:cubicBezTo>
+                  <a:cubicBezTo>
+                    <a:pt x="664591" y="194439"/>
+                    <a:pt x="-45339" y="142051"/>
+                    <a:pt x="2286" y="94426"/>
+                  </a:cubicBezTo>
+                  <a:close/>
+                </a:path>
+              </a:pathLst>
+            </a:custGeom>
+            <a:grpFill/>
+            <a:ln>
+              <a:noFill/>
+            </a:ln>
+          </p:spPr>
+          <p:style>
+            <a:lnRef idx="2">
+              <a:schemeClr val="accent1">
+                <a:shade val="15000"/>
+              </a:schemeClr>
+            </a:lnRef>
+            <a:fillRef idx="1">
+              <a:schemeClr val="accent1"/>
+            </a:fillRef>
+            <a:effectRef idx="0">
+              <a:schemeClr val="accent1"/>
+            </a:effectRef>
+            <a:fontRef idx="minor">
+              <a:schemeClr val="lt1"/>
+            </a:fontRef>
+          </p:style>
+          <p:txBody>
+            <a:bodyPr rtlCol="0" anchor="ctr"/>
+            <a:lstStyle/>
+            <a:p>
+              <a:pPr algn="ctr"/>
+              <a:endParaRPr lang="zh-CN" altLang="en-US"/>
+            </a:p>
+          </p:txBody>
+        </p:sp>
+        <p:sp>
+          <p:nvSpPr>
+            <p:cNvPr id="8" name="任意多边形: 形状 7">
+              <a:extLst>
+                <a:ext uri="{FF2B5EF4-FFF2-40B4-BE49-F238E27FC236}">
+                  <a16:creationId xmlns:a16="http://schemas.microsoft.com/office/drawing/2014/main" id="{9A14882F-8772-A265-8FE2-65D15F9CB2DB}"/>
+                </a:ext>
+              </a:extLst>
+            </p:cNvPr>
+            <p:cNvSpPr/>
+            <p:nvPr/>
+          </p:nvSpPr>
+          <p:spPr>
+            <a:xfrm flipH="1">
+              <a:off x="9983883" y="3329425"/>
+              <a:ext cx="1240833" cy="1232099"/>
+            </a:xfrm>
+            <a:custGeom>
+              <a:avLst/>
+              <a:gdLst>
+                <a:gd name="connsiteX0" fmla="*/ 2286 w 1240834"/>
+                <a:gd name="connsiteY0" fmla="*/ 94426 h 1232099"/>
+                <a:gd name="connsiteX1" fmla="*/ 1139571 w 1240834"/>
+                <a:gd name="connsiteY1" fmla="*/ 96331 h 1232099"/>
+                <a:gd name="connsiteX2" fmla="*/ 1152906 w 1240834"/>
+                <a:gd name="connsiteY2" fmla="*/ 1229806 h 1232099"/>
+                <a:gd name="connsiteX3" fmla="*/ 853821 w 1240834"/>
+                <a:gd name="connsiteY3" fmla="*/ 382081 h 1232099"/>
+                <a:gd name="connsiteX4" fmla="*/ 2286 w 1240834"/>
+                <a:gd name="connsiteY4" fmla="*/ 94426 h 1232099"/>
+              </a:gdLst>
+              <a:ahLst/>
+              <a:cxnLst>
+                <a:cxn ang="0">
+                  <a:pos x="connsiteX0" y="connsiteY0"/>
+                </a:cxn>
+                <a:cxn ang="0">
+                  <a:pos x="connsiteX1" y="connsiteY1"/>
+                </a:cxn>
+                <a:cxn ang="0">
+                  <a:pos x="connsiteX2" y="connsiteY2"/>
+                </a:cxn>
+                <a:cxn ang="0">
+                  <a:pos x="connsiteX3" y="connsiteY3"/>
+                </a:cxn>
+                <a:cxn ang="0">
+                  <a:pos x="connsiteX4" y="connsiteY4"/>
+                </a:cxn>
+              </a:cxnLst>
+              <a:rect l="l" t="t" r="r" b="b"/>
+              <a:pathLst>
+                <a:path w="1240834" h="1232099">
+                  <a:moveTo>
+                    <a:pt x="2286" y="94426"/>
+                  </a:moveTo>
+                  <a:cubicBezTo>
+                    <a:pt x="49911" y="46801"/>
+                    <a:pt x="947801" y="-92899"/>
+                    <a:pt x="1139571" y="96331"/>
+                  </a:cubicBezTo>
+                  <a:cubicBezTo>
+                    <a:pt x="1331341" y="285561"/>
+                    <a:pt x="1200531" y="1182181"/>
+                    <a:pt x="1152906" y="1229806"/>
+                  </a:cubicBezTo>
+                  <a:cubicBezTo>
+                    <a:pt x="1105281" y="1277431"/>
+                    <a:pt x="1043051" y="569723"/>
+                    <a:pt x="853821" y="382081"/>
+                  </a:cubicBezTo>
+                  <a:cubicBezTo>
+                    <a:pt x="664591" y="194439"/>
+                    <a:pt x="-45339" y="142051"/>
+                    <a:pt x="2286" y="94426"/>
+                  </a:cubicBezTo>
+                  <a:close/>
+                </a:path>
+              </a:pathLst>
+            </a:custGeom>
+            <a:grpFill/>
+            <a:ln>
+              <a:noFill/>
+            </a:ln>
+          </p:spPr>
+          <p:style>
+            <a:lnRef idx="2">
+              <a:schemeClr val="accent1">
+                <a:shade val="15000"/>
+              </a:schemeClr>
+            </a:lnRef>
+            <a:fillRef idx="1">
+              <a:schemeClr val="accent1"/>
+            </a:fillRef>
+            <a:effectRef idx="0">
+              <a:schemeClr val="accent1"/>
+            </a:effectRef>
+            <a:fontRef idx="minor">
+              <a:schemeClr val="lt1"/>
+            </a:fontRef>
+          </p:style>
+          <p:txBody>
+            <a:bodyPr rtlCol="0" anchor="ctr"/>
+            <a:lstStyle/>
+            <a:p>
+              <a:pPr algn="ctr"/>
+              <a:endParaRPr lang="zh-CN" altLang="en-US"/>
+            </a:p>
+          </p:txBody>
+        </p:sp>
+        <p:sp>
+          <p:nvSpPr>
+            <p:cNvPr id="9" name="任意多边形: 形状 8">
+              <a:extLst>
+                <a:ext uri="{FF2B5EF4-FFF2-40B4-BE49-F238E27FC236}">
+                  <a16:creationId xmlns:a16="http://schemas.microsoft.com/office/drawing/2014/main" id="{20DE7170-7F1C-DDA3-D272-631750147AC3}"/>
+                </a:ext>
+              </a:extLst>
+            </p:cNvPr>
+            <p:cNvSpPr/>
+            <p:nvPr/>
+          </p:nvSpPr>
+          <p:spPr>
+            <a:xfrm flipH="1" flipV="1">
+              <a:off x="9983882" y="2297428"/>
+              <a:ext cx="1240833" cy="1232098"/>
+            </a:xfrm>
+            <a:custGeom>
+              <a:avLst/>
+              <a:gdLst>
+                <a:gd name="connsiteX0" fmla="*/ 2286 w 1240834"/>
+                <a:gd name="connsiteY0" fmla="*/ 94426 h 1232099"/>
+                <a:gd name="connsiteX1" fmla="*/ 1139571 w 1240834"/>
+                <a:gd name="connsiteY1" fmla="*/ 96331 h 1232099"/>
+                <a:gd name="connsiteX2" fmla="*/ 1152906 w 1240834"/>
+                <a:gd name="connsiteY2" fmla="*/ 1229806 h 1232099"/>
+                <a:gd name="connsiteX3" fmla="*/ 853821 w 1240834"/>
+                <a:gd name="connsiteY3" fmla="*/ 382081 h 1232099"/>
+                <a:gd name="connsiteX4" fmla="*/ 2286 w 1240834"/>
+                <a:gd name="connsiteY4" fmla="*/ 94426 h 1232099"/>
+              </a:gdLst>
+              <a:ahLst/>
+              <a:cxnLst>
+                <a:cxn ang="0">
+                  <a:pos x="connsiteX0" y="connsiteY0"/>
+                </a:cxn>
+                <a:cxn ang="0">
+                  <a:pos x="connsiteX1" y="connsiteY1"/>
+                </a:cxn>
+                <a:cxn ang="0">
+                  <a:pos x="connsiteX2" y="connsiteY2"/>
+                </a:cxn>
+                <a:cxn ang="0">
+                  <a:pos x="connsiteX3" y="connsiteY3"/>
+                </a:cxn>
+                <a:cxn ang="0">
+                  <a:pos x="connsiteX4" y="connsiteY4"/>
+                </a:cxn>
+              </a:cxnLst>
+              <a:rect l="l" t="t" r="r" b="b"/>
+              <a:pathLst>
+                <a:path w="1240834" h="1232099">
+                  <a:moveTo>
+                    <a:pt x="2286" y="94426"/>
+                  </a:moveTo>
+                  <a:cubicBezTo>
+                    <a:pt x="49911" y="46801"/>
+                    <a:pt x="947801" y="-92899"/>
+                    <a:pt x="1139571" y="96331"/>
+                  </a:cubicBezTo>
+                  <a:cubicBezTo>
+                    <a:pt x="1331341" y="285561"/>
+                    <a:pt x="1200531" y="1182181"/>
+                    <a:pt x="1152906" y="1229806"/>
+                  </a:cubicBezTo>
+                  <a:cubicBezTo>
+                    <a:pt x="1105281" y="1277431"/>
+                    <a:pt x="1043051" y="569723"/>
+                    <a:pt x="853821" y="382081"/>
+                  </a:cubicBezTo>
+                  <a:cubicBezTo>
+                    <a:pt x="664591" y="194439"/>
+                    <a:pt x="-45339" y="142051"/>
+                    <a:pt x="2286" y="94426"/>
+                  </a:cubicBezTo>
+                  <a:close/>
+                </a:path>
+              </a:pathLst>
+            </a:custGeom>
+            <a:grpFill/>
+            <a:ln>
+              <a:noFill/>
+            </a:ln>
+          </p:spPr>
+          <p:style>
+            <a:lnRef idx="2">
+              <a:schemeClr val="accent1">
+                <a:shade val="15000"/>
+              </a:schemeClr>
+            </a:lnRef>
+            <a:fillRef idx="1">
+              <a:schemeClr val="accent1"/>
+            </a:fillRef>
+            <a:effectRef idx="0">
+              <a:schemeClr val="accent1"/>
+            </a:effectRef>
+            <a:fontRef idx="minor">
+              <a:schemeClr val="lt1"/>
+            </a:fontRef>
+          </p:style>
+          <p:txBody>
+            <a:bodyPr rtlCol="0" anchor="ctr"/>
+            <a:lstStyle/>
+            <a:p>
+              <a:pPr algn="ctr"/>
+              <a:endParaRPr lang="zh-CN" altLang="en-US"/>
+            </a:p>
+          </p:txBody>
+        </p:sp>
+        <p:sp>
+          <p:nvSpPr>
+            <p:cNvPr id="10" name="任意多边形: 形状 9">
+              <a:extLst>
+                <a:ext uri="{FF2B5EF4-FFF2-40B4-BE49-F238E27FC236}">
+                  <a16:creationId xmlns:a16="http://schemas.microsoft.com/office/drawing/2014/main" id="{C4107A04-AB51-22D2-B358-69D6D8EA6B56}"/>
+                </a:ext>
+              </a:extLst>
+            </p:cNvPr>
+            <p:cNvSpPr/>
+            <p:nvPr/>
+          </p:nvSpPr>
+          <p:spPr>
+            <a:xfrm flipV="1">
+              <a:off x="8919833" y="2297428"/>
+              <a:ext cx="1240835" cy="1232098"/>
+            </a:xfrm>
+            <a:custGeom>
+              <a:avLst/>
+              <a:gdLst>
+                <a:gd name="connsiteX0" fmla="*/ 2286 w 1240834"/>
+                <a:gd name="connsiteY0" fmla="*/ 94426 h 1232099"/>
+                <a:gd name="connsiteX1" fmla="*/ 1139571 w 1240834"/>
+                <a:gd name="connsiteY1" fmla="*/ 96331 h 1232099"/>
+                <a:gd name="connsiteX2" fmla="*/ 1152906 w 1240834"/>
+                <a:gd name="connsiteY2" fmla="*/ 1229806 h 1232099"/>
+                <a:gd name="connsiteX3" fmla="*/ 853821 w 1240834"/>
+                <a:gd name="connsiteY3" fmla="*/ 382081 h 1232099"/>
+                <a:gd name="connsiteX4" fmla="*/ 2286 w 1240834"/>
+                <a:gd name="connsiteY4" fmla="*/ 94426 h 1232099"/>
+              </a:gdLst>
+              <a:ahLst/>
+              <a:cxnLst>
+                <a:cxn ang="0">
+                  <a:pos x="connsiteX0" y="connsiteY0"/>
+                </a:cxn>
+                <a:cxn ang="0">
+                  <a:pos x="connsiteX1" y="connsiteY1"/>
+                </a:cxn>
+                <a:cxn ang="0">
+                  <a:pos x="connsiteX2" y="connsiteY2"/>
+                </a:cxn>
+                <a:cxn ang="0">
+                  <a:pos x="connsiteX3" y="connsiteY3"/>
+                </a:cxn>
+                <a:cxn ang="0">
+                  <a:pos x="connsiteX4" y="connsiteY4"/>
+                </a:cxn>
+              </a:cxnLst>
+              <a:rect l="l" t="t" r="r" b="b"/>
+              <a:pathLst>
+                <a:path w="1240834" h="1232099">
+                  <a:moveTo>
+                    <a:pt x="2286" y="94426"/>
+                  </a:moveTo>
+                  <a:cubicBezTo>
+                    <a:pt x="49911" y="46801"/>
+                    <a:pt x="947801" y="-92899"/>
+                    <a:pt x="1139571" y="96331"/>
+                  </a:cubicBezTo>
+                  <a:cubicBezTo>
+                    <a:pt x="1331341" y="285561"/>
+                    <a:pt x="1200531" y="1182181"/>
+                    <a:pt x="1152906" y="1229806"/>
+                  </a:cubicBezTo>
+                  <a:cubicBezTo>
+                    <a:pt x="1105281" y="1277431"/>
+                    <a:pt x="1043051" y="569723"/>
+                    <a:pt x="853821" y="382081"/>
+                  </a:cubicBezTo>
+                  <a:cubicBezTo>
+                    <a:pt x="664591" y="194439"/>
+                    <a:pt x="-45339" y="142051"/>
+                    <a:pt x="2286" y="94426"/>
+                  </a:cubicBezTo>
+                  <a:close/>
+                </a:path>
+              </a:pathLst>
+            </a:custGeom>
+            <a:grpFill/>
+            <a:ln>
+              <a:noFill/>
+            </a:ln>
+          </p:spPr>
+          <p:style>
+            <a:lnRef idx="2">
+              <a:schemeClr val="accent1">
+                <a:shade val="15000"/>
+              </a:schemeClr>
+            </a:lnRef>
+            <a:fillRef idx="1">
+              <a:schemeClr val="accent1"/>
+            </a:fillRef>
+            <a:effectRef idx="0">
+              <a:schemeClr val="accent1"/>
+            </a:effectRef>
+            <a:fontRef idx="minor">
+              <a:schemeClr val="lt1"/>
+            </a:fontRef>
+          </p:style>
+          <p:txBody>
+            <a:bodyPr rtlCol="0" anchor="ctr"/>
+            <a:lstStyle/>
+            <a:p>
+              <a:pPr algn="ctr"/>
+              <a:endParaRPr lang="zh-CN" altLang="en-US" dirty="0"/>
+            </a:p>
+          </p:txBody>
+        </p:sp>
+        <p:sp>
+          <p:nvSpPr>
+            <p:cNvPr id="11" name="矩形 10">
+              <a:extLst>
+                <a:ext uri="{FF2B5EF4-FFF2-40B4-BE49-F238E27FC236}">
+                  <a16:creationId xmlns:a16="http://schemas.microsoft.com/office/drawing/2014/main" id="{F558767C-0494-9783-E9EB-B2D9A812A489}"/>
+                </a:ext>
+              </a:extLst>
+            </p:cNvPr>
+            <p:cNvSpPr/>
+            <p:nvPr/>
+          </p:nvSpPr>
+          <p:spPr>
+            <a:xfrm>
+              <a:off x="9954260" y="3225800"/>
+              <a:ext cx="271780" cy="325120"/>
+            </a:xfrm>
+            <a:prstGeom prst="rect">
+              <a:avLst/>
+            </a:prstGeom>
+            <a:grpFill/>
+            <a:ln>
+              <a:noFill/>
+            </a:ln>
+          </p:spPr>
+          <p:style>
+            <a:lnRef idx="2">
+              <a:schemeClr val="accent1">
+                <a:shade val="15000"/>
+              </a:schemeClr>
+            </a:lnRef>
+            <a:fillRef idx="1">
+              <a:schemeClr val="accent1"/>
+            </a:fillRef>
+            <a:effectRef idx="0">
+              <a:schemeClr val="accent1"/>
+            </a:effectRef>
+            <a:fontRef idx="minor">
+              <a:schemeClr val="lt1"/>
+            </a:fontRef>
+          </p:style>
+          <p:txBody>
+            <a:bodyPr rtlCol="0" anchor="ctr"/>
+            <a:lstStyle/>
+            <a:p>
+              <a:pPr algn="ctr"/>
+              <a:endParaRPr lang="zh-CN" altLang="en-US"/>
+            </a:p>
+          </p:txBody>
+        </p:sp>
+      </p:grpSp>
+    </p:spTree>
+    <p:extLst>
+      <p:ext uri="{BB962C8B-B14F-4D97-AF65-F5344CB8AC3E}">
+        <p14:creationId xmlns:p14="http://schemas.microsoft.com/office/powerpoint/2010/main" val="3148112753"/>
+      </p:ext>
+    </p:extLst>
+  </p:cSld>
+  <p:clrMapOvr>
+    <a:masterClrMapping/>
+  </p:clrMapOvr>
+</p:sld>
+</file>
+
+<file path=ppt/slides/slide6.xml><?xml version="1.0" encoding="utf-8"?>
+<p:sld xmlns:a="http://schemas.openxmlformats.org/drawingml/2006/main" xmlns:r="http://schemas.openxmlformats.org/officeDocument/2006/relationships" xmlns:p="http://schemas.openxmlformats.org/presentationml/2006/main">
+  <p:cSld>
+    <p:spTree>
+      <p:nvGrpSpPr>
+        <p:cNvPr id="1" name=""/>
+        <p:cNvGrpSpPr/>
+        <p:nvPr/>
+      </p:nvGrpSpPr>
+      <p:grpSpPr>
+        <a:xfrm>
+          <a:off x="0" y="0"/>
+          <a:ext cx="0" cy="0"/>
+          <a:chOff x="0" y="0"/>
+          <a:chExt cx="0" cy="0"/>
+        </a:xfrm>
+      </p:grpSpPr>
       <p:sp>
         <p:nvSpPr>
           <p:cNvPr id="54" name="矩形 53">
@@ -19820,7 +20835,7 @@
 </p:sld>
 </file>
 
-<file path=ppt/slides/slide6.xml><?xml version="1.0" encoding="utf-8"?>
+<file path=ppt/slides/slide7.xml><?xml version="1.0" encoding="utf-8"?>
 <p:sld xmlns:a="http://schemas.openxmlformats.org/drawingml/2006/main" xmlns:r="http://schemas.openxmlformats.org/officeDocument/2006/relationships" xmlns:p="http://schemas.openxmlformats.org/presentationml/2006/main">
   <p:cSld>
     <p:spTree>
